--- a/capstone-story-20230216.pptx
+++ b/capstone-story-20230216.pptx
@@ -5,7 +5,7 @@
     <p:sldMasterId id="2147483660" r:id="rId4"/>
   </p:sldMasterIdLst>
   <p:notesMasterIdLst>
-    <p:notesMasterId r:id="rId25"/>
+    <p:notesMasterId r:id="rId26"/>
   </p:notesMasterIdLst>
   <p:sldIdLst>
     <p:sldId id="256" r:id="rId5"/>
@@ -28,6 +28,7 @@
     <p:sldId id="275" r:id="rId22"/>
     <p:sldId id="276" r:id="rId23"/>
     <p:sldId id="277" r:id="rId24"/>
+    <p:sldId id="280" r:id="rId25"/>
   </p:sldIdLst>
   <p:sldSz cx="12192000" cy="6858000"/>
   <p:notesSz cx="6858000" cy="1857375"/>
@@ -1958,7 +1959,7 @@
           <a:p>
             <a:fld id="{9E497948-54D2-43F8-9A63-A99FE3051738}" type="datetimeFigureOut">
               <a:rPr lang="en-US" smtClean="0"/>
-              <a:t>2/16/2023</a:t>
+              <a:t>2/17/2023</a:t>
             </a:fld>
             <a:endParaRPr lang="en-US"/>
           </a:p>
@@ -9256,7 +9257,7 @@
         </p:nvSpPr>
         <p:spPr>
           <a:xfrm>
-            <a:off x="4250438" y="1495425"/>
+            <a:off x="4250438" y="1516892"/>
             <a:ext cx="6809509" cy="4351338"/>
           </a:xfrm>
         </p:spPr>
@@ -9267,14 +9268,8 @@
           <a:lstStyle/>
           <a:p>
             <a:r>
-              <a:rPr lang="en-US" sz="3600" dirty="0">
-                <a:solidFill>
-                  <a:schemeClr val="tx1"/>
-                </a:solidFill>
-                <a:latin typeface="Arial" panose="020B0604020202020204" pitchFamily="34" charset="0"/>
-                <a:cs typeface="Arial" panose="020B0604020202020204" pitchFamily="34" charset="0"/>
-              </a:rPr>
-              <a:t>APPENDIX A</a:t>
+              <a:rPr lang="en-US" sz="4000" b="1" dirty="0"/>
+              <a:t>APPENDIX A </a:t>
             </a:r>
           </a:p>
           <a:p>
@@ -9293,27 +9288,30 @@
             </a:r>
           </a:p>
           <a:p>
+            <a:r>
+              <a:rPr lang="en-US" sz="4000" b="1" dirty="0"/>
+              <a:t>APPENDIX B </a:t>
+            </a:r>
+          </a:p>
+          <a:p>
             <a:pPr marL="0" indent="0">
               <a:buNone/>
             </a:pPr>
-            <a:endParaRPr lang="en-US" sz="3600" dirty="0">
-              <a:solidFill>
-                <a:schemeClr val="tx1"/>
-              </a:solidFill>
-              <a:latin typeface="Arial" panose="020B0604020202020204" pitchFamily="34" charset="0"/>
-              <a:cs typeface="Arial" panose="020B0604020202020204" pitchFamily="34" charset="0"/>
-            </a:endParaRPr>
-          </a:p>
-          <a:p>
-            <a:r>
-              <a:rPr lang="en-US" sz="3600" dirty="0">
-                <a:solidFill>
-                  <a:schemeClr val="tx1"/>
-                </a:solidFill>
-                <a:latin typeface="Arial" panose="020B0604020202020204" pitchFamily="34" charset="0"/>
-                <a:cs typeface="Arial" panose="020B0604020202020204" pitchFamily="34" charset="0"/>
-              </a:rPr>
-              <a:t>APPENDIX B</a:t>
+            <a:r>
+              <a:rPr lang="en-US" sz="3600" b="1" dirty="0">
+                <a:solidFill>
+                  <a:schemeClr val="tx1"/>
+                </a:solidFill>
+                <a:latin typeface="Arial" panose="020B0604020202020204" pitchFamily="34" charset="0"/>
+                <a:cs typeface="Arial" panose="020B0604020202020204" pitchFamily="34" charset="0"/>
+              </a:rPr>
+              <a:t>Popular Languages</a:t>
+            </a:r>
+          </a:p>
+          <a:p>
+            <a:r>
+              <a:rPr lang="en-US" sz="3600" b="1" dirty="0"/>
+              <a:t>APPENDIX C</a:t>
             </a:r>
           </a:p>
           <a:p>
@@ -9328,8 +9326,11 @@
                 <a:latin typeface="Arial" panose="020B0604020202020204" pitchFamily="34" charset="0"/>
                 <a:cs typeface="Arial" panose="020B0604020202020204" pitchFamily="34" charset="0"/>
               </a:rPr>
-              <a:t>Popular Languages</a:t>
-            </a:r>
+              <a:t>Resources</a:t>
+            </a:r>
+          </a:p>
+          <a:p>
+            <a:endParaRPr lang="en-US" sz="3600" b="1" dirty="0"/>
           </a:p>
           <a:p>
             <a:endParaRPr lang="en-US" sz="3600" b="1" dirty="0">
@@ -9366,8 +9367,8 @@
         </p:blipFill>
         <p:spPr>
           <a:xfrm>
-            <a:off x="1055857" y="1849823"/>
-            <a:ext cx="3194581" cy="3194581"/>
+            <a:off x="1055858" y="1849824"/>
+            <a:ext cx="2899598" cy="2899598"/>
           </a:xfrm>
           <a:prstGeom prst="rect">
             <a:avLst/>
@@ -10343,6 +10344,217 @@
     <p:extLst>
       <p:ext uri="{BB962C8B-B14F-4D97-AF65-F5344CB8AC3E}">
         <p14:creationId xmlns:p14="http://schemas.microsoft.com/office/powerpoint/2010/main" val="1817399028"/>
+      </p:ext>
+    </p:extLst>
+  </p:cSld>
+  <p:clrMapOvr>
+    <a:masterClrMapping/>
+  </p:clrMapOvr>
+</p:sld>
+</file>
+
+<file path=ppt/slides/slide21.xml><?xml version="1.0" encoding="utf-8"?>
+<p:sld xmlns:a="http://schemas.openxmlformats.org/drawingml/2006/main" xmlns:r="http://schemas.openxmlformats.org/officeDocument/2006/relationships" xmlns:p="http://schemas.openxmlformats.org/presentationml/2006/main">
+  <p:cSld>
+    <p:spTree>
+      <p:nvGrpSpPr>
+        <p:cNvPr id="1" name=""/>
+        <p:cNvGrpSpPr/>
+        <p:nvPr/>
+      </p:nvGrpSpPr>
+      <p:grpSpPr>
+        <a:xfrm>
+          <a:off x="0" y="0"/>
+          <a:ext cx="0" cy="0"/>
+          <a:chOff x="0" y="0"/>
+          <a:chExt cx="0" cy="0"/>
+        </a:xfrm>
+      </p:grpSpPr>
+      <p:sp>
+        <p:nvSpPr>
+          <p:cNvPr id="2" name="Title 1">
+            <a:extLst>
+              <a:ext uri="{FF2B5EF4-FFF2-40B4-BE49-F238E27FC236}">
+                <a16:creationId xmlns:a16="http://schemas.microsoft.com/office/drawing/2014/main" id="{755002A5-7E5E-4C6A-9163-622F46DB6CC4}"/>
+              </a:ext>
+            </a:extLst>
+          </p:cNvPr>
+          <p:cNvSpPr>
+            <a:spLocks noGrp="1"/>
+          </p:cNvSpPr>
+          <p:nvPr>
+            <p:ph type="title"/>
+          </p:nvPr>
+        </p:nvSpPr>
+        <p:spPr/>
+        <p:txBody>
+          <a:bodyPr/>
+          <a:lstStyle/>
+          <a:p>
+            <a:r>
+              <a:rPr lang="en-US" sz="3600" dirty="0"/>
+              <a:t>APPENDIX C </a:t>
+            </a:r>
+            <a:br>
+              <a:rPr lang="en-US" sz="3600" dirty="0"/>
+            </a:br>
+            <a:r>
+              <a:rPr lang="en-US" dirty="0"/>
+              <a:t>RESOURCES</a:t>
+            </a:r>
+          </a:p>
+        </p:txBody>
+      </p:sp>
+      <p:sp>
+        <p:nvSpPr>
+          <p:cNvPr id="3" name="Content Placeholder 2">
+            <a:extLst>
+              <a:ext uri="{FF2B5EF4-FFF2-40B4-BE49-F238E27FC236}">
+                <a16:creationId xmlns:a16="http://schemas.microsoft.com/office/drawing/2014/main" id="{A16718DF-4DCC-4CAD-982E-51BE889639E0}"/>
+              </a:ext>
+            </a:extLst>
+          </p:cNvPr>
+          <p:cNvSpPr>
+            <a:spLocks noGrp="1"/>
+          </p:cNvSpPr>
+          <p:nvPr>
+            <p:ph sz="half" idx="1"/>
+          </p:nvPr>
+        </p:nvSpPr>
+        <p:spPr>
+          <a:xfrm>
+            <a:off x="838200" y="1825625"/>
+            <a:ext cx="9962322" cy="4351338"/>
+          </a:xfrm>
+        </p:spPr>
+        <p:txBody>
+          <a:bodyPr>
+            <a:normAutofit/>
+          </a:bodyPr>
+          <a:lstStyle/>
+          <a:p>
+            <a:r>
+              <a:rPr lang="en-US" sz="2400" dirty="0">
+                <a:solidFill>
+                  <a:schemeClr val="tx1"/>
+                </a:solidFill>
+                <a:latin typeface="Arial" panose="020B0604020202020204" pitchFamily="34" charset="0"/>
+                <a:cs typeface="Arial" panose="020B0604020202020204" pitchFamily="34" charset="0"/>
+                <a:hlinkClick r:id="rId2"/>
+              </a:rPr>
+              <a:t>GitHub</a:t>
+            </a:r>
+            <a:r>
+              <a:rPr lang="en-US" sz="2400" dirty="0">
+                <a:solidFill>
+                  <a:schemeClr val="tx1"/>
+                </a:solidFill>
+                <a:latin typeface="Arial" panose="020B0604020202020204" pitchFamily="34" charset="0"/>
+                <a:cs typeface="Arial" panose="020B0604020202020204" pitchFamily="34" charset="0"/>
+              </a:rPr>
+              <a:t> job listing</a:t>
+            </a:r>
+          </a:p>
+          <a:p>
+            <a:r>
+              <a:rPr lang="en-US" sz="2400" b="0" i="0" u="none" strike="noStrike" baseline="0" dirty="0">
+                <a:solidFill>
+                  <a:schemeClr val="tx1"/>
+                </a:solidFill>
+                <a:latin typeface="Arial" panose="020B0604020202020204" pitchFamily="34" charset="0"/>
+                <a:cs typeface="Arial" panose="020B0604020202020204" pitchFamily="34" charset="0"/>
+                <a:hlinkClick r:id="rId3"/>
+              </a:rPr>
+              <a:t>https://www.kaggle.com/promptcloud/jobs-on-naukricom</a:t>
+            </a:r>
+            <a:endParaRPr lang="en-US" sz="2400" dirty="0">
+              <a:solidFill>
+                <a:schemeClr val="tx1"/>
+              </a:solidFill>
+              <a:latin typeface="Arial" panose="020B0604020202020204" pitchFamily="34" charset="0"/>
+              <a:cs typeface="Arial" panose="020B0604020202020204" pitchFamily="34" charset="0"/>
+            </a:endParaRPr>
+          </a:p>
+          <a:p>
+            <a:r>
+              <a:rPr lang="en-US" sz="2400" dirty="0">
+                <a:solidFill>
+                  <a:schemeClr val="tx1"/>
+                </a:solidFill>
+                <a:latin typeface="Arial" panose="020B0604020202020204" pitchFamily="34" charset="0"/>
+                <a:cs typeface="Arial" panose="020B0604020202020204" pitchFamily="34" charset="0"/>
+                <a:hlinkClick r:id="rId4">
+                  <a:extLst>
+                    <a:ext uri="{A12FA001-AC4F-418D-AE19-62706E023703}">
+                      <ahyp:hlinkClr xmlns:ahyp="http://schemas.microsoft.com/office/drawing/2018/hyperlinkcolor" val="tx"/>
+                    </a:ext>
+                  </a:extLst>
+                </a:hlinkClick>
+              </a:rPr>
+              <a:t>https://cf-courses-data.s3.us.cloud-object-storage.appdomain.cloud/%E2%86%AAIBM-DA0321EN-SkillsNetwork/labs/datasets/Programming_Languages.html</a:t>
+            </a:r>
+            <a:endParaRPr lang="en-US" sz="2400" dirty="0">
+              <a:solidFill>
+                <a:schemeClr val="tx1"/>
+              </a:solidFill>
+              <a:latin typeface="Arial" panose="020B0604020202020204" pitchFamily="34" charset="0"/>
+              <a:cs typeface="Arial" panose="020B0604020202020204" pitchFamily="34" charset="0"/>
+            </a:endParaRPr>
+          </a:p>
+          <a:p>
+            <a:pPr algn="l"/>
+            <a:r>
+              <a:rPr lang="en-US" sz="2400" b="0" i="0" u="none" strike="noStrike" baseline="0" dirty="0">
+                <a:solidFill>
+                  <a:schemeClr val="tx1"/>
+                </a:solidFill>
+                <a:latin typeface="Arial" panose="020B0604020202020204" pitchFamily="34" charset="0"/>
+                <a:cs typeface="Arial" panose="020B0604020202020204" pitchFamily="34" charset="0"/>
+                <a:hlinkClick r:id="rId5">
+                  <a:extLst>
+                    <a:ext uri="{A12FA001-AC4F-418D-AE19-62706E023703}">
+                      <ahyp:hlinkClr xmlns:ahyp="http://schemas.microsoft.com/office/drawing/2018/hyperlinkcolor" val="tx"/>
+                    </a:ext>
+                  </a:extLst>
+                </a:hlinkClick>
+              </a:rPr>
+              <a:t>https://cf-courses-data.s3.us.cloud-object-storage.appdomain.cloud/IBM-DA0321EN-SkillsNetwork/LargeData/m1_survey_data.csv</a:t>
+            </a:r>
+            <a:endParaRPr lang="en-US" sz="2400" b="0" i="0" u="none" strike="noStrike" baseline="0" dirty="0">
+              <a:solidFill>
+                <a:schemeClr val="tx1"/>
+              </a:solidFill>
+              <a:latin typeface="Arial" panose="020B0604020202020204" pitchFamily="34" charset="0"/>
+              <a:cs typeface="Arial" panose="020B0604020202020204" pitchFamily="34" charset="0"/>
+            </a:endParaRPr>
+          </a:p>
+          <a:p>
+            <a:pPr algn="l"/>
+            <a:r>
+              <a:rPr lang="en-US" sz="2400" b="0" i="0" u="none" strike="noStrike" baseline="0" dirty="0">
+                <a:solidFill>
+                  <a:schemeClr val="tx1"/>
+                </a:solidFill>
+                <a:latin typeface="Arial" panose="020B0604020202020204" pitchFamily="34" charset="0"/>
+                <a:cs typeface="Arial" panose="020B0604020202020204" pitchFamily="34" charset="0"/>
+                <a:hlinkClick r:id="rId2"/>
+              </a:rPr>
+              <a:t>https://cf-courses-data.s3.us.cloud-object-storage.appdomain.cloud/IBM-DA0321EN-SkillsNetwork/LargeData/m2_survey_data.csv</a:t>
+            </a:r>
+            <a:endParaRPr lang="en-US" sz="2400" dirty="0">
+              <a:solidFill>
+                <a:schemeClr val="tx1"/>
+              </a:solidFill>
+              <a:latin typeface="Arial" panose="020B0604020202020204" pitchFamily="34" charset="0"/>
+              <a:cs typeface="Arial" panose="020B0604020202020204" pitchFamily="34" charset="0"/>
+            </a:endParaRPr>
+          </a:p>
+        </p:txBody>
+      </p:sp>
+    </p:spTree>
+    <p:extLst>
+      <p:ext uri="{BB962C8B-B14F-4D97-AF65-F5344CB8AC3E}">
+        <p14:creationId xmlns:p14="http://schemas.microsoft.com/office/powerpoint/2010/main" val="392672384"/>
       </p:ext>
     </p:extLst>
   </p:cSld>
@@ -12991,21 +13203,6 @@
 </file>
 
 <file path=customXml/item1.xml><?xml version="1.0" encoding="utf-8"?>
-<p:properties xmlns:p="http://schemas.microsoft.com/office/2006/metadata/properties" xmlns:xsi="http://www.w3.org/2001/XMLSchema-instance" xmlns:pc="http://schemas.microsoft.com/office/infopath/2007/PartnerControls">
-  <documentManagement/>
-</p:properties>
-</file>
-
-<file path=customXml/item2.xml><?xml version="1.0" encoding="utf-8"?>
-<?mso-contentType ?>
-<FormTemplates xmlns="http://schemas.microsoft.com/sharepoint/v3/contenttype/forms">
-  <Display>DocumentLibraryForm</Display>
-  <Edit>DocumentLibraryForm</Edit>
-  <New>DocumentLibraryForm</New>
-</FormTemplates>
-</file>
-
-<file path=customXml/item3.xml><?xml version="1.0" encoding="utf-8"?>
 <ct:contentTypeSchema xmlns:ct="http://schemas.microsoft.com/office/2006/metadata/contentType" xmlns:ma="http://schemas.microsoft.com/office/2006/metadata/properties/metaAttributes" ct:_="" ma:_="" ma:contentTypeName="Document" ma:contentTypeID="0x010100EECD86F56755A646AC8AFCBCBD967F21" ma:contentTypeVersion="11" ma:contentTypeDescription="Create a new document." ma:contentTypeScope="" ma:versionID="4bc1015ece1c23b1ef2f55a62f11494f">
   <xsd:schema xmlns:xsd="http://www.w3.org/2001/XMLSchema" xmlns:xs="http://www.w3.org/2001/XMLSchema" xmlns:p="http://schemas.microsoft.com/office/2006/metadata/properties" xmlns:ns2="155be751-a274-42e8-93fb-f39d3b9bccc8" xmlns:ns3="f80a141d-92ca-4d3d-9308-f7e7b1d44ce8" targetNamespace="http://schemas.microsoft.com/office/2006/metadata/properties" ma:root="true" ma:fieldsID="efbf6837a43ed91190e40f849f23a130" ns2:_="" ns3:_="">
     <xsd:import namespace="155be751-a274-42e8-93fb-f39d3b9bccc8"/>
@@ -13216,24 +13413,22 @@
 </ct:contentTypeSchema>
 </file>
 
-<file path=customXml/itemProps1.xml><?xml version="1.0" encoding="utf-8"?>
-<ds:datastoreItem xmlns:ds="http://schemas.openxmlformats.org/officeDocument/2006/customXml" ds:itemID="{54DA07C5-A406-4A0D-B3E6-3856C94AC7F3}">
-  <ds:schemaRefs>
-    <ds:schemaRef ds:uri="http://schemas.microsoft.com/office/2006/metadata/properties"/>
-    <ds:schemaRef ds:uri="http://schemas.microsoft.com/office/infopath/2007/PartnerControls"/>
-  </ds:schemaRefs>
-</ds:datastoreItem>
+<file path=customXml/item2.xml><?xml version="1.0" encoding="utf-8"?>
+<?mso-contentType ?>
+<FormTemplates xmlns="http://schemas.microsoft.com/sharepoint/v3/contenttype/forms">
+  <Display>DocumentLibraryForm</Display>
+  <Edit>DocumentLibraryForm</Edit>
+  <New>DocumentLibraryForm</New>
+</FormTemplates>
 </file>
 
-<file path=customXml/itemProps2.xml><?xml version="1.0" encoding="utf-8"?>
-<ds:datastoreItem xmlns:ds="http://schemas.openxmlformats.org/officeDocument/2006/customXml" ds:itemID="{7EFDA260-DDA0-422C-B7AE-778F653FBB36}">
-  <ds:schemaRefs>
-    <ds:schemaRef ds:uri="http://schemas.microsoft.com/sharepoint/v3/contenttype/forms"/>
-  </ds:schemaRefs>
-</ds:datastoreItem>
+<file path=customXml/item3.xml><?xml version="1.0" encoding="utf-8"?>
+<p:properties xmlns:p="http://schemas.microsoft.com/office/2006/metadata/properties" xmlns:xsi="http://www.w3.org/2001/XMLSchema-instance" xmlns:pc="http://schemas.microsoft.com/office/infopath/2007/PartnerControls">
+  <documentManagement/>
+</p:properties>
 </file>
 
-<file path=customXml/itemProps3.xml><?xml version="1.0" encoding="utf-8"?>
+<file path=customXml/itemProps1.xml><?xml version="1.0" encoding="utf-8"?>
 <ds:datastoreItem xmlns:ds="http://schemas.openxmlformats.org/officeDocument/2006/customXml" ds:itemID="{887AE8FE-83F0-42D0-BB5E-14AD3FB1DE17}">
   <ds:schemaRefs>
     <ds:schemaRef ds:uri="http://schemas.microsoft.com/office/2006/metadata/contentType"/>
@@ -13250,4 +13445,21 @@
     <ds:schemaRef ds:uri="http://schemas.microsoft.com/internal/obd"/>
   </ds:schemaRefs>
 </ds:datastoreItem>
+</file>
+
+<file path=customXml/itemProps2.xml><?xml version="1.0" encoding="utf-8"?>
+<ds:datastoreItem xmlns:ds="http://schemas.openxmlformats.org/officeDocument/2006/customXml" ds:itemID="{7EFDA260-DDA0-422C-B7AE-778F653FBB36}">
+  <ds:schemaRefs>
+    <ds:schemaRef ds:uri="http://schemas.microsoft.com/sharepoint/v3/contenttype/forms"/>
+  </ds:schemaRefs>
+</ds:datastoreItem>
+</file>
+
+<file path=customXml/itemProps3.xml><?xml version="1.0" encoding="utf-8"?>
+<ds:datastoreItem xmlns:ds="http://schemas.openxmlformats.org/officeDocument/2006/customXml" ds:itemID="{54DA07C5-A406-4A0D-B3E6-3856C94AC7F3}">
+  <ds:schemaRefs>
+    <ds:schemaRef ds:uri="http://schemas.microsoft.com/office/2006/metadata/properties"/>
+    <ds:schemaRef ds:uri="http://schemas.microsoft.com/office/infopath/2007/PartnerControls"/>
+  </ds:schemaRefs>
+</ds:datastoreItem>
 </file>